--- a/Saturated Absorption Spectroscopy/Plechacek_Anthony/Misc Files/SAS 03_21_24, Anthony Plechacek.pptx
+++ b/Saturated Absorption Spectroscopy/Plechacek_Anthony/Misc Files/SAS 03_21_24, Anthony Plechacek.pptx
@@ -11,7 +11,8 @@
     <p:sldId id="259" r:id="rId5"/>
     <p:sldId id="260" r:id="rId6"/>
     <p:sldId id="261" r:id="rId7"/>
-    <p:sldId id="262" r:id="rId8"/>
+    <p:sldId id="263" r:id="rId8"/>
+    <p:sldId id="262" r:id="rId9"/>
   </p:sldIdLst>
   <p:sldSz cx="12192000" cy="6858000"/>
   <p:notesSz cx="6858000" cy="9144000"/>
@@ -110,6 +111,11 @@
       </a:defRPr>
     </a:lvl9pPr>
   </p:defaultTextStyle>
+  <p:extLst>
+    <p:ext uri="{EFAFB233-063F-42B5-8137-9DF3F51BA10A}">
+      <p15:sldGuideLst xmlns:p15="http://schemas.microsoft.com/office/powerpoint/2012/main"/>
+    </p:ext>
+  </p:extLst>
 </p:presentation>
 </file>
 
@@ -123,6 +129,69 @@
 
 <file path=ppt/changesInfos/changesInfo1.xml><?xml version="1.0" encoding="utf-8"?>
 <pc:chgInfo xmlns:a="http://schemas.openxmlformats.org/drawingml/2006/main" xmlns:r="http://schemas.openxmlformats.org/officeDocument/2006/relationships" xmlns:ac="http://schemas.microsoft.com/office/drawing/2013/main/command" xmlns:pc="http://schemas.microsoft.com/office/powerpoint/2013/main/command">
+  <pc:docChgLst>
+    <pc:chgData name="Plechacek, Anthony" userId="4375b502-3903-48d8-bf17-c7c69c231442" providerId="ADAL" clId="{DEC63C33-11D6-46B5-A756-A8D8BA8BE7C3}"/>
+    <pc:docChg chg="undo custSel addSld modSld">
+      <pc:chgData name="Plechacek, Anthony" userId="4375b502-3903-48d8-bf17-c7c69c231442" providerId="ADAL" clId="{DEC63C33-11D6-46B5-A756-A8D8BA8BE7C3}" dt="2024-03-21T12:47:22.034" v="31" actId="1076"/>
+      <pc:docMkLst>
+        <pc:docMk/>
+      </pc:docMkLst>
+      <pc:sldChg chg="modSp mod">
+        <pc:chgData name="Plechacek, Anthony" userId="4375b502-3903-48d8-bf17-c7c69c231442" providerId="ADAL" clId="{DEC63C33-11D6-46B5-A756-A8D8BA8BE7C3}" dt="2024-03-21T12:39:32.569" v="2" actId="20577"/>
+        <pc:sldMkLst>
+          <pc:docMk/>
+          <pc:sldMk cId="1940256088" sldId="258"/>
+        </pc:sldMkLst>
+        <pc:spChg chg="mod">
+          <ac:chgData name="Plechacek, Anthony" userId="4375b502-3903-48d8-bf17-c7c69c231442" providerId="ADAL" clId="{DEC63C33-11D6-46B5-A756-A8D8BA8BE7C3}" dt="2024-03-21T12:39:32.569" v="2" actId="20577"/>
+          <ac:spMkLst>
+            <pc:docMk/>
+            <pc:sldMk cId="1940256088" sldId="258"/>
+            <ac:spMk id="3" creationId="{8DF07D7A-7ADE-4960-3EDA-AE4A9783677F}"/>
+          </ac:spMkLst>
+        </pc:spChg>
+      </pc:sldChg>
+      <pc:sldChg chg="addSp delSp modSp new mod">
+        <pc:chgData name="Plechacek, Anthony" userId="4375b502-3903-48d8-bf17-c7c69c231442" providerId="ADAL" clId="{DEC63C33-11D6-46B5-A756-A8D8BA8BE7C3}" dt="2024-03-21T12:47:22.034" v="31" actId="1076"/>
+        <pc:sldMkLst>
+          <pc:docMk/>
+          <pc:sldMk cId="1819279262" sldId="263"/>
+        </pc:sldMkLst>
+        <pc:spChg chg="mod">
+          <ac:chgData name="Plechacek, Anthony" userId="4375b502-3903-48d8-bf17-c7c69c231442" providerId="ADAL" clId="{DEC63C33-11D6-46B5-A756-A8D8BA8BE7C3}" dt="2024-03-21T12:39:44.515" v="19" actId="20577"/>
+          <ac:spMkLst>
+            <pc:docMk/>
+            <pc:sldMk cId="1819279262" sldId="263"/>
+            <ac:spMk id="2" creationId="{9A137B57-6A01-1533-A643-9C20FCFD41D6}"/>
+          </ac:spMkLst>
+        </pc:spChg>
+        <pc:spChg chg="add del mod">
+          <ac:chgData name="Plechacek, Anthony" userId="4375b502-3903-48d8-bf17-c7c69c231442" providerId="ADAL" clId="{DEC63C33-11D6-46B5-A756-A8D8BA8BE7C3}" dt="2024-03-21T12:46:50.016" v="26"/>
+          <ac:spMkLst>
+            <pc:docMk/>
+            <pc:sldMk cId="1819279262" sldId="263"/>
+            <ac:spMk id="3" creationId="{D7C97ACD-6728-CC2B-38CB-3FAEF06A517F}"/>
+          </ac:spMkLst>
+        </pc:spChg>
+        <pc:picChg chg="add del mod">
+          <ac:chgData name="Plechacek, Anthony" userId="4375b502-3903-48d8-bf17-c7c69c231442" providerId="ADAL" clId="{DEC63C33-11D6-46B5-A756-A8D8BA8BE7C3}" dt="2024-03-21T12:46:45.812" v="24" actId="22"/>
+          <ac:picMkLst>
+            <pc:docMk/>
+            <pc:sldMk cId="1819279262" sldId="263"/>
+            <ac:picMk id="5" creationId="{EC8AC3A9-A2E8-EA74-8524-9F6F91EF0623}"/>
+          </ac:picMkLst>
+        </pc:picChg>
+        <pc:picChg chg="add mod">
+          <ac:chgData name="Plechacek, Anthony" userId="4375b502-3903-48d8-bf17-c7c69c231442" providerId="ADAL" clId="{DEC63C33-11D6-46B5-A756-A8D8BA8BE7C3}" dt="2024-03-21T12:47:22.034" v="31" actId="1076"/>
+          <ac:picMkLst>
+            <pc:docMk/>
+            <pc:sldMk cId="1819279262" sldId="263"/>
+            <ac:picMk id="7" creationId="{52CA475E-9D47-80D8-ACB3-D19F8AF5F7C6}"/>
+          </ac:picMkLst>
+        </pc:picChg>
+      </pc:sldChg>
+    </pc:docChg>
+  </pc:docChgLst>
   <pc:docChgLst>
     <pc:chgData name="Plechacek, Anthony" userId="4375b502-3903-48d8-bf17-c7c69c231442" providerId="ADAL" clId="{78172B0D-B033-4BF4-B3CD-4DED7E9B0A8E}"/>
     <pc:docChg chg="undo custSel addSld modSld addMainMaster delMainMaster">
@@ -1084,7 +1153,7 @@
           <a:p>
             <a:fld id="{524C6359-9BB8-4148-8114-537E698DA205}" type="datetime1">
               <a:rPr lang="en-US" smtClean="0"/>
-              <a:t>3/20/2024</a:t>
+              <a:t>3/21/2024</a:t>
             </a:fld>
             <a:endParaRPr lang="en-US" dirty="0"/>
           </a:p>
@@ -2144,7 +2213,7 @@
           <a:p>
             <a:fld id="{A4649BD0-10DB-43E7-8F22-40B3D51B8FC3}" type="datetime1">
               <a:rPr lang="en-US" smtClean="0"/>
-              <a:t>3/20/2024</a:t>
+              <a:t>3/21/2024</a:t>
             </a:fld>
             <a:endParaRPr lang="en-US"/>
           </a:p>
@@ -3205,7 +3274,7 @@
           <a:p>
             <a:fld id="{0A16C79C-F566-427A-93F6-434A4E613134}" type="datetime1">
               <a:rPr lang="en-US" smtClean="0"/>
-              <a:t>3/20/2024</a:t>
+              <a:t>3/21/2024</a:t>
             </a:fld>
             <a:endParaRPr lang="en-US"/>
           </a:p>
@@ -4261,7 +4330,7 @@
           <a:p>
             <a:fld id="{9376191F-481E-48E9-BB9A-369A67A7362D}" type="datetime1">
               <a:rPr lang="en-US" smtClean="0"/>
-              <a:t>3/20/2024</a:t>
+              <a:t>3/21/2024</a:t>
             </a:fld>
             <a:endParaRPr lang="en-US" dirty="0"/>
           </a:p>
@@ -5390,7 +5459,7 @@
           <a:p>
             <a:fld id="{6C5677DE-DD04-48CC-9C18-7BE9FF2DEB6B}" type="datetime1">
               <a:rPr lang="en-US" smtClean="0"/>
-              <a:t>3/20/2024</a:t>
+              <a:t>3/21/2024</a:t>
             </a:fld>
             <a:endParaRPr lang="en-US"/>
           </a:p>
@@ -6509,7 +6578,7 @@
           <a:p>
             <a:fld id="{463255ED-7101-4D18-A8AE-3B5E4CB87EA5}" type="datetime1">
               <a:rPr lang="en-US" smtClean="0"/>
-              <a:t>3/20/2024</a:t>
+              <a:t>3/21/2024</a:t>
             </a:fld>
             <a:endParaRPr lang="en-US"/>
           </a:p>
@@ -7815,7 +7884,7 @@
           <a:p>
             <a:fld id="{CD52F23D-51F6-4C94-8CD5-B9ABBF67EE23}" type="datetime1">
               <a:rPr lang="en-US" smtClean="0"/>
-              <a:t>3/20/2024</a:t>
+              <a:t>3/21/2024</a:t>
             </a:fld>
             <a:endParaRPr lang="en-US"/>
           </a:p>
@@ -7962,7 +8031,7 @@
           <a:p>
             <a:fld id="{D51A702F-6367-4FD1-89A8-3744BE6BA9A2}" type="datetime1">
               <a:rPr lang="en-US" smtClean="0"/>
-              <a:t>3/20/2024</a:t>
+              <a:t>3/21/2024</a:t>
             </a:fld>
             <a:endParaRPr lang="en-US"/>
           </a:p>
@@ -8926,7 +8995,7 @@
           <a:p>
             <a:fld id="{4A6E99BD-4B4F-4460-B452-0E8146ACCF8F}" type="datetime1">
               <a:rPr lang="en-US" smtClean="0"/>
-              <a:t>3/20/2024</a:t>
+              <a:t>3/21/2024</a:t>
             </a:fld>
             <a:endParaRPr lang="en-US"/>
           </a:p>
@@ -9245,7 +9314,7 @@
           <a:p>
             <a:fld id="{EB6FD34C-1867-42A9-AC54-D15ADD8A65E7}" type="datetime1">
               <a:rPr lang="en-US" smtClean="0"/>
-              <a:t>3/20/2024</a:t>
+              <a:t>3/21/2024</a:t>
             </a:fld>
             <a:endParaRPr lang="en-US"/>
           </a:p>
@@ -10393,7 +10462,7 @@
           <a:p>
             <a:fld id="{336133E9-A654-4C17-8C3C-DDCAC83D6EBF}" type="datetime1">
               <a:rPr lang="en-US" smtClean="0"/>
-              <a:t>3/20/2024</a:t>
+              <a:t>3/21/2024</a:t>
             </a:fld>
             <a:endParaRPr lang="en-US"/>
           </a:p>
@@ -12803,7 +12872,7 @@
           <a:p>
             <a:fld id="{8769D389-4C4C-4FD7-9E6B-9F44477F0EB8}" type="datetime1">
               <a:rPr lang="en-US" smtClean="0"/>
-              <a:t>3/20/2024</a:t>
+              <a:t>3/21/2024</a:t>
             </a:fld>
             <a:endParaRPr lang="en-US" dirty="0"/>
           </a:p>
@@ -15779,7 +15848,7 @@
             </a:pPr>
             <a:r>
               <a:rPr lang="en-US" dirty="0"/>
-              <a:t>Looking into wavelength spectrometer</a:t>
+              <a:t>Looking into spectrometer</a:t>
             </a:r>
           </a:p>
         </p:txBody>
@@ -20515,8 +20584,8 @@
               </a:prstGeom>
             </p:spPr>
           </p:pic>
-          <mc:AlternateContent xmlns:mc="http://schemas.openxmlformats.org/markup-compatibility/2006">
-            <mc:Choice xmlns:p14="http://schemas.microsoft.com/office/powerpoint/2010/main" Requires="p14">
+          <mc:AlternateContent xmlns:mc="http://schemas.openxmlformats.org/markup-compatibility/2006" xmlns:p14="http://schemas.microsoft.com/office/powerpoint/2010/main">
+            <mc:Choice Requires="p14">
               <p:contentPart p14:bwMode="auto" r:id="rId4">
                 <p14:nvContentPartPr>
                   <p14:cNvPr id="8" name="Ink 7">
@@ -20535,7 +20604,7 @@
                 </p14:xfrm>
               </p:contentPart>
             </mc:Choice>
-            <mc:Fallback>
+            <mc:Fallback xmlns="">
               <p:pic>
                 <p:nvPicPr>
                   <p:cNvPr id="8" name="Ink 7">
@@ -20566,8 +20635,8 @@
               </p:pic>
             </mc:Fallback>
           </mc:AlternateContent>
-          <mc:AlternateContent xmlns:mc="http://schemas.openxmlformats.org/markup-compatibility/2006">
-            <mc:Choice xmlns:p14="http://schemas.microsoft.com/office/powerpoint/2010/main" Requires="p14">
+          <mc:AlternateContent xmlns:mc="http://schemas.openxmlformats.org/markup-compatibility/2006" xmlns:p14="http://schemas.microsoft.com/office/powerpoint/2010/main">
+            <mc:Choice Requires="p14">
               <p:contentPart p14:bwMode="auto" r:id="rId6">
                 <p14:nvContentPartPr>
                   <p14:cNvPr id="9" name="Ink 8">
@@ -20586,7 +20655,7 @@
                 </p14:xfrm>
               </p:contentPart>
             </mc:Choice>
-            <mc:Fallback>
+            <mc:Fallback xmlns="">
               <p:pic>
                 <p:nvPicPr>
                   <p:cNvPr id="9" name="Ink 8">
@@ -20617,8 +20686,8 @@
               </p:pic>
             </mc:Fallback>
           </mc:AlternateContent>
-          <mc:AlternateContent xmlns:mc="http://schemas.openxmlformats.org/markup-compatibility/2006">
-            <mc:Choice xmlns:p14="http://schemas.microsoft.com/office/powerpoint/2010/main" Requires="p14">
+          <mc:AlternateContent xmlns:mc="http://schemas.openxmlformats.org/markup-compatibility/2006" xmlns:p14="http://schemas.microsoft.com/office/powerpoint/2010/main">
+            <mc:Choice Requires="p14">
               <p:contentPart p14:bwMode="auto" r:id="rId8">
                 <p14:nvContentPartPr>
                   <p14:cNvPr id="10" name="Ink 9">
@@ -20637,7 +20706,7 @@
                 </p14:xfrm>
               </p:contentPart>
             </mc:Choice>
-            <mc:Fallback>
+            <mc:Fallback xmlns="">
               <p:pic>
                 <p:nvPicPr>
                   <p:cNvPr id="10" name="Ink 9">
@@ -22133,6 +22202,122 @@
           <a:chExt cx="0" cy="0"/>
         </a:xfrm>
       </p:grpSpPr>
+      <p:sp>
+        <p:nvSpPr>
+          <p:cNvPr id="2" name="Title 1">
+            <a:extLst>
+              <a:ext uri="{FF2B5EF4-FFF2-40B4-BE49-F238E27FC236}">
+                <a16:creationId xmlns:a16="http://schemas.microsoft.com/office/drawing/2014/main" id="{9A137B57-6A01-1533-A643-9C20FCFD41D6}"/>
+              </a:ext>
+            </a:extLst>
+          </p:cNvPr>
+          <p:cNvSpPr>
+            <a:spLocks noGrp="1"/>
+          </p:cNvSpPr>
+          <p:nvPr>
+            <p:ph type="title"/>
+          </p:nvPr>
+        </p:nvSpPr>
+        <p:spPr/>
+        <p:txBody>
+          <a:bodyPr/>
+          <a:lstStyle/>
+          <a:p>
+            <a:r>
+              <a:rPr lang="en-US" dirty="0"/>
+              <a:t>Spectrometer</a:t>
+            </a:r>
+          </a:p>
+        </p:txBody>
+      </p:sp>
+      <p:sp>
+        <p:nvSpPr>
+          <p:cNvPr id="3" name="Content Placeholder 2">
+            <a:extLst>
+              <a:ext uri="{FF2B5EF4-FFF2-40B4-BE49-F238E27FC236}">
+                <a16:creationId xmlns:a16="http://schemas.microsoft.com/office/drawing/2014/main" id="{D7C97ACD-6728-CC2B-38CB-3FAEF06A517F}"/>
+              </a:ext>
+            </a:extLst>
+          </p:cNvPr>
+          <p:cNvSpPr>
+            <a:spLocks noGrp="1"/>
+          </p:cNvSpPr>
+          <p:nvPr>
+            <p:ph idx="1"/>
+          </p:nvPr>
+        </p:nvSpPr>
+        <p:spPr/>
+        <p:txBody>
+          <a:bodyPr/>
+          <a:lstStyle/>
+          <a:p>
+            <a:r>
+              <a:rPr lang="en-US" dirty="0"/>
+              <a:t>350 nm - 700 nm</a:t>
+            </a:r>
+          </a:p>
+        </p:txBody>
+      </p:sp>
+      <p:pic>
+        <p:nvPicPr>
+          <p:cNvPr id="7" name="Picture 6">
+            <a:extLst>
+              <a:ext uri="{FF2B5EF4-FFF2-40B4-BE49-F238E27FC236}">
+                <a16:creationId xmlns:a16="http://schemas.microsoft.com/office/drawing/2014/main" id="{52CA475E-9D47-80D8-ACB3-D19F8AF5F7C6}"/>
+              </a:ext>
+            </a:extLst>
+          </p:cNvPr>
+          <p:cNvPicPr>
+            <a:picLocks noChangeAspect="1"/>
+          </p:cNvPicPr>
+          <p:nvPr/>
+        </p:nvPicPr>
+        <p:blipFill>
+          <a:blip r:embed="rId2"/>
+          <a:stretch>
+            <a:fillRect/>
+          </a:stretch>
+        </p:blipFill>
+        <p:spPr>
+          <a:xfrm>
+            <a:off x="5769222" y="2832443"/>
+            <a:ext cx="5776233" cy="3385297"/>
+          </a:xfrm>
+          <a:prstGeom prst="rect">
+            <a:avLst/>
+          </a:prstGeom>
+        </p:spPr>
+      </p:pic>
+    </p:spTree>
+    <p:extLst>
+      <p:ext uri="{BB962C8B-B14F-4D97-AF65-F5344CB8AC3E}">
+        <p14:creationId xmlns:p14="http://schemas.microsoft.com/office/powerpoint/2010/main" val="1819279262"/>
+      </p:ext>
+    </p:extLst>
+  </p:cSld>
+  <p:clrMapOvr>
+    <a:masterClrMapping/>
+  </p:clrMapOvr>
+</p:sld>
+</file>
+
+<file path=ppt/slides/slide8.xml><?xml version="1.0" encoding="utf-8"?>
+<p:sld xmlns:a="http://schemas.openxmlformats.org/drawingml/2006/main" xmlns:r="http://schemas.openxmlformats.org/officeDocument/2006/relationships" xmlns:p="http://schemas.openxmlformats.org/presentationml/2006/main">
+  <p:cSld>
+    <p:spTree>
+      <p:nvGrpSpPr>
+        <p:cNvPr id="1" name=""/>
+        <p:cNvGrpSpPr/>
+        <p:nvPr/>
+      </p:nvGrpSpPr>
+      <p:grpSpPr>
+        <a:xfrm>
+          <a:off x="0" y="0"/>
+          <a:ext cx="0" cy="0"/>
+          <a:chOff x="0" y="0"/>
+          <a:chExt cx="0" cy="0"/>
+        </a:xfrm>
+      </p:grpSpPr>
       <p:pic>
         <p:nvPicPr>
           <p:cNvPr id="4" name="Video 3" descr="Neon Pink Question Mark">
